--- a/Deliverables/2º Deliverable/Guia do Património de Lisboa.pptx
+++ b/Deliverables/2º Deliverable/Guia do Património de Lisboa.pptx
@@ -7,7 +7,8 @@
   <p:sldIdLst>
     <p:sldId id="256" r:id="rId2"/>
     <p:sldId id="257" r:id="rId3"/>
-    <p:sldId id="258" r:id="rId4"/>
+    <p:sldId id="259" r:id="rId4"/>
+    <p:sldId id="258" r:id="rId5"/>
   </p:sldIdLst>
   <p:sldSz cx="12192000" cy="6858000"/>
   <p:notesSz cx="6858000" cy="9144000"/>
@@ -106,7 +107,593 @@
       </a:defRPr>
     </a:lvl9pPr>
   </p:defaultTextStyle>
+  <p:extLst>
+    <p:ext uri="{EFAFB233-063F-42B5-8137-9DF3F51BA10A}">
+      <p15:sldGuideLst xmlns:p15="http://schemas.microsoft.com/office/powerpoint/2012/main"/>
+    </p:ext>
+  </p:extLst>
 </p:presentation>
+</file>
+
+<file path=ppt/revisionInfo.xml><?xml version="1.0" encoding="utf-8"?>
+<p1510:revInfo xmlns:a="http://schemas.openxmlformats.org/drawingml/2006/main" xmlns:r="http://schemas.openxmlformats.org/officeDocument/2006/relationships" xmlns:p1510="http://schemas.microsoft.com/office/powerpoint/2015/10/main">
+  <p1510:revLst>
+    <p1510:client id="{595D1C6A-75CB-4716-B05F-EEC7AF5A7C97}" v="5" dt="2020-03-25T12:17:04.204"/>
+  </p1510:revLst>
+</p1510:revInfo>
+</file>
+
+<file path=ppt/changesInfos/changesInfo1.xml><?xml version="1.0" encoding="utf-8"?>
+<pc:chgInfo xmlns:a="http://schemas.openxmlformats.org/drawingml/2006/main" xmlns:r="http://schemas.openxmlformats.org/officeDocument/2006/relationships" xmlns:ac="http://schemas.microsoft.com/office/drawing/2013/main/command" xmlns:pc="http://schemas.microsoft.com/office/powerpoint/2013/main/command">
+  <pc:docChgLst>
+    <pc:chgData name="Bruno Ramos" userId="f7b2668e7be188c5" providerId="LiveId" clId="{595D1C6A-75CB-4716-B05F-EEC7AF5A7C97}"/>
+    <pc:docChg chg="undo custSel mod addSld modSld">
+      <pc:chgData name="Bruno Ramos" userId="f7b2668e7be188c5" providerId="LiveId" clId="{595D1C6A-75CB-4716-B05F-EEC7AF5A7C97}" dt="2020-03-25T12:18:04.648" v="51" actId="1076"/>
+      <pc:docMkLst>
+        <pc:docMk/>
+      </pc:docMkLst>
+      <pc:sldChg chg="addSp delSp modSp add mod setBg">
+        <pc:chgData name="Bruno Ramos" userId="f7b2668e7be188c5" providerId="LiveId" clId="{595D1C6A-75CB-4716-B05F-EEC7AF5A7C97}" dt="2020-03-25T12:18:04.648" v="51" actId="1076"/>
+        <pc:sldMkLst>
+          <pc:docMk/>
+          <pc:sldMk cId="450873282" sldId="259"/>
+        </pc:sldMkLst>
+        <pc:spChg chg="mod">
+          <ac:chgData name="Bruno Ramos" userId="f7b2668e7be188c5" providerId="LiveId" clId="{595D1C6A-75CB-4716-B05F-EEC7AF5A7C97}" dt="2020-03-25T12:17:43.034" v="41" actId="26606"/>
+          <ac:spMkLst>
+            <pc:docMk/>
+            <pc:sldMk cId="450873282" sldId="259"/>
+            <ac:spMk id="2" creationId="{991472A2-2BC5-4981-BA22-A9A1FEF77B64}"/>
+          </ac:spMkLst>
+        </pc:spChg>
+        <pc:spChg chg="del">
+          <ac:chgData name="Bruno Ramos" userId="f7b2668e7be188c5" providerId="LiveId" clId="{595D1C6A-75CB-4716-B05F-EEC7AF5A7C97}" dt="2020-03-25T12:16:10.472" v="8" actId="478"/>
+          <ac:spMkLst>
+            <pc:docMk/>
+            <pc:sldMk cId="450873282" sldId="259"/>
+            <ac:spMk id="3" creationId="{6DEB84A9-B8D5-46E0-A14D-E5DC54A2DD2F}"/>
+          </ac:spMkLst>
+        </pc:spChg>
+        <pc:spChg chg="add del">
+          <ac:chgData name="Bruno Ramos" userId="f7b2668e7be188c5" providerId="LiveId" clId="{595D1C6A-75CB-4716-B05F-EEC7AF5A7C97}" dt="2020-03-25T12:17:13.645" v="29" actId="26606"/>
+          <ac:spMkLst>
+            <pc:docMk/>
+            <pc:sldMk cId="450873282" sldId="259"/>
+            <ac:spMk id="22" creationId="{EE2923D5-2453-48AE-84D0-4F20C2817445}"/>
+          </ac:spMkLst>
+        </pc:spChg>
+        <pc:spChg chg="add del">
+          <ac:chgData name="Bruno Ramos" userId="f7b2668e7be188c5" providerId="LiveId" clId="{595D1C6A-75CB-4716-B05F-EEC7AF5A7C97}" dt="2020-03-25T12:17:13.645" v="29" actId="26606"/>
+          <ac:spMkLst>
+            <pc:docMk/>
+            <pc:sldMk cId="450873282" sldId="259"/>
+            <ac:spMk id="24" creationId="{87B2F32A-3C1B-4881-BDC9-094804BD268A}"/>
+          </ac:spMkLst>
+        </pc:spChg>
+        <pc:spChg chg="add del">
+          <ac:chgData name="Bruno Ramos" userId="f7b2668e7be188c5" providerId="LiveId" clId="{595D1C6A-75CB-4716-B05F-EEC7AF5A7C97}" dt="2020-03-25T12:17:13.645" v="29" actId="26606"/>
+          <ac:spMkLst>
+            <pc:docMk/>
+            <pc:sldMk cId="450873282" sldId="259"/>
+            <ac:spMk id="30" creationId="{94792B6C-F2D1-4D46-9001-8B848CBDB74C}"/>
+          </ac:spMkLst>
+        </pc:spChg>
+        <pc:spChg chg="add del">
+          <ac:chgData name="Bruno Ramos" userId="f7b2668e7be188c5" providerId="LiveId" clId="{595D1C6A-75CB-4716-B05F-EEC7AF5A7C97}" dt="2020-03-25T12:17:13.645" v="29" actId="26606"/>
+          <ac:spMkLst>
+            <pc:docMk/>
+            <pc:sldMk cId="450873282" sldId="259"/>
+            <ac:spMk id="32" creationId="{26DC4019-1D02-4D43-8E92-EC1EB626FD2D}"/>
+          </ac:spMkLst>
+        </pc:spChg>
+        <pc:spChg chg="add del">
+          <ac:chgData name="Bruno Ramos" userId="f7b2668e7be188c5" providerId="LiveId" clId="{595D1C6A-75CB-4716-B05F-EEC7AF5A7C97}" dt="2020-03-25T12:17:13.645" v="29" actId="26606"/>
+          <ac:spMkLst>
+            <pc:docMk/>
+            <pc:sldMk cId="450873282" sldId="259"/>
+            <ac:spMk id="34" creationId="{D6D34D9C-57DC-428C-92E0-AD2217AFFDC4}"/>
+          </ac:spMkLst>
+        </pc:spChg>
+        <pc:spChg chg="add del">
+          <ac:chgData name="Bruno Ramos" userId="f7b2668e7be188c5" providerId="LiveId" clId="{595D1C6A-75CB-4716-B05F-EEC7AF5A7C97}" dt="2020-03-25T12:17:13.645" v="29" actId="26606"/>
+          <ac:spMkLst>
+            <pc:docMk/>
+            <pc:sldMk cId="450873282" sldId="259"/>
+            <ac:spMk id="36" creationId="{D9EC4FC8-2DF7-4B48-B774-7ACCBB800717}"/>
+          </ac:spMkLst>
+        </pc:spChg>
+        <pc:spChg chg="add del">
+          <ac:chgData name="Bruno Ramos" userId="f7b2668e7be188c5" providerId="LiveId" clId="{595D1C6A-75CB-4716-B05F-EEC7AF5A7C97}" dt="2020-03-25T12:17:15.749" v="31" actId="26606"/>
+          <ac:spMkLst>
+            <pc:docMk/>
+            <pc:sldMk cId="450873282" sldId="259"/>
+            <ac:spMk id="41" creationId="{2EF22102-83EB-49F5-99EC-1534C57EED31}"/>
+          </ac:spMkLst>
+        </pc:spChg>
+        <pc:spChg chg="add del">
+          <ac:chgData name="Bruno Ramos" userId="f7b2668e7be188c5" providerId="LiveId" clId="{595D1C6A-75CB-4716-B05F-EEC7AF5A7C97}" dt="2020-03-25T12:17:15.749" v="31" actId="26606"/>
+          <ac:spMkLst>
+            <pc:docMk/>
+            <pc:sldMk cId="450873282" sldId="259"/>
+            <ac:spMk id="42" creationId="{0EC250B3-686F-4E97-8FFD-8AE8ECD5DE37}"/>
+          </ac:spMkLst>
+        </pc:spChg>
+        <pc:spChg chg="add del">
+          <ac:chgData name="Bruno Ramos" userId="f7b2668e7be188c5" providerId="LiveId" clId="{595D1C6A-75CB-4716-B05F-EEC7AF5A7C97}" dt="2020-03-25T12:17:15.749" v="31" actId="26606"/>
+          <ac:spMkLst>
+            <pc:docMk/>
+            <pc:sldMk cId="450873282" sldId="259"/>
+            <ac:spMk id="45" creationId="{1612490C-320F-455C-9DFD-2C5F49D1880D}"/>
+          </ac:spMkLst>
+        </pc:spChg>
+        <pc:spChg chg="add del">
+          <ac:chgData name="Bruno Ramos" userId="f7b2668e7be188c5" providerId="LiveId" clId="{595D1C6A-75CB-4716-B05F-EEC7AF5A7C97}" dt="2020-03-25T12:17:15.749" v="31" actId="26606"/>
+          <ac:spMkLst>
+            <pc:docMk/>
+            <pc:sldMk cId="450873282" sldId="259"/>
+            <ac:spMk id="46" creationId="{B39E2C89-5187-4320-B1A5-215C041696E3}"/>
+          </ac:spMkLst>
+        </pc:spChg>
+        <pc:spChg chg="add del">
+          <ac:chgData name="Bruno Ramos" userId="f7b2668e7be188c5" providerId="LiveId" clId="{595D1C6A-75CB-4716-B05F-EEC7AF5A7C97}" dt="2020-03-25T12:17:15.749" v="31" actId="26606"/>
+          <ac:spMkLst>
+            <pc:docMk/>
+            <pc:sldMk cId="450873282" sldId="259"/>
+            <ac:spMk id="47" creationId="{54E171C8-1D58-447C-8CEC-BFF90B3A50B8}"/>
+          </ac:spMkLst>
+        </pc:spChg>
+        <pc:spChg chg="add del">
+          <ac:chgData name="Bruno Ramos" userId="f7b2668e7be188c5" providerId="LiveId" clId="{595D1C6A-75CB-4716-B05F-EEC7AF5A7C97}" dt="2020-03-25T12:17:15.749" v="31" actId="26606"/>
+          <ac:spMkLst>
+            <pc:docMk/>
+            <pc:sldMk cId="450873282" sldId="259"/>
+            <ac:spMk id="48" creationId="{08E38096-6C03-4FF0-923F-13504759F698}"/>
+          </ac:spMkLst>
+        </pc:spChg>
+        <pc:spChg chg="add del">
+          <ac:chgData name="Bruno Ramos" userId="f7b2668e7be188c5" providerId="LiveId" clId="{595D1C6A-75CB-4716-B05F-EEC7AF5A7C97}" dt="2020-03-25T12:17:25.017" v="33" actId="26606"/>
+          <ac:spMkLst>
+            <pc:docMk/>
+            <pc:sldMk cId="450873282" sldId="259"/>
+            <ac:spMk id="53" creationId="{EE2923D5-2453-48AE-84D0-4F20C2817445}"/>
+          </ac:spMkLst>
+        </pc:spChg>
+        <pc:spChg chg="add del">
+          <ac:chgData name="Bruno Ramos" userId="f7b2668e7be188c5" providerId="LiveId" clId="{595D1C6A-75CB-4716-B05F-EEC7AF5A7C97}" dt="2020-03-25T12:17:25.017" v="33" actId="26606"/>
+          <ac:spMkLst>
+            <pc:docMk/>
+            <pc:sldMk cId="450873282" sldId="259"/>
+            <ac:spMk id="54" creationId="{87B2F32A-3C1B-4881-BDC9-094804BD268A}"/>
+          </ac:spMkLst>
+        </pc:spChg>
+        <pc:spChg chg="add del">
+          <ac:chgData name="Bruno Ramos" userId="f7b2668e7be188c5" providerId="LiveId" clId="{595D1C6A-75CB-4716-B05F-EEC7AF5A7C97}" dt="2020-03-25T12:17:25.017" v="33" actId="26606"/>
+          <ac:spMkLst>
+            <pc:docMk/>
+            <pc:sldMk cId="450873282" sldId="259"/>
+            <ac:spMk id="56" creationId="{138FBA86-9EB7-4930-9037-593598624DFC}"/>
+          </ac:spMkLst>
+        </pc:spChg>
+        <pc:spChg chg="add del">
+          <ac:chgData name="Bruno Ramos" userId="f7b2668e7be188c5" providerId="LiveId" clId="{595D1C6A-75CB-4716-B05F-EEC7AF5A7C97}" dt="2020-03-25T12:17:25.017" v="33" actId="26606"/>
+          <ac:spMkLst>
+            <pc:docMk/>
+            <pc:sldMk cId="450873282" sldId="259"/>
+            <ac:spMk id="57" creationId="{492174FA-36EE-4978-9C32-5268F4534203}"/>
+          </ac:spMkLst>
+        </pc:spChg>
+        <pc:spChg chg="add del">
+          <ac:chgData name="Bruno Ramos" userId="f7b2668e7be188c5" providerId="LiveId" clId="{595D1C6A-75CB-4716-B05F-EEC7AF5A7C97}" dt="2020-03-25T12:17:25.017" v="33" actId="26606"/>
+          <ac:spMkLst>
+            <pc:docMk/>
+            <pc:sldMk cId="450873282" sldId="259"/>
+            <ac:spMk id="58" creationId="{72C3282A-4194-4E08-B865-BE828A0F02A2}"/>
+          </ac:spMkLst>
+        </pc:spChg>
+        <pc:spChg chg="add del">
+          <ac:chgData name="Bruno Ramos" userId="f7b2668e7be188c5" providerId="LiveId" clId="{595D1C6A-75CB-4716-B05F-EEC7AF5A7C97}" dt="2020-03-25T12:17:25.017" v="33" actId="26606"/>
+          <ac:spMkLst>
+            <pc:docMk/>
+            <pc:sldMk cId="450873282" sldId="259"/>
+            <ac:spMk id="59" creationId="{2323414F-54FD-491F-BDA4-622678BD7581}"/>
+          </ac:spMkLst>
+        </pc:spChg>
+        <pc:spChg chg="add del">
+          <ac:chgData name="Bruno Ramos" userId="f7b2668e7be188c5" providerId="LiveId" clId="{595D1C6A-75CB-4716-B05F-EEC7AF5A7C97}" dt="2020-03-25T12:17:43.034" v="41" actId="26606"/>
+          <ac:spMkLst>
+            <pc:docMk/>
+            <pc:sldMk cId="450873282" sldId="259"/>
+            <ac:spMk id="64" creationId="{EE2923D5-2453-48AE-84D0-4F20C2817445}"/>
+          </ac:spMkLst>
+        </pc:spChg>
+        <pc:spChg chg="add del">
+          <ac:chgData name="Bruno Ramos" userId="f7b2668e7be188c5" providerId="LiveId" clId="{595D1C6A-75CB-4716-B05F-EEC7AF5A7C97}" dt="2020-03-25T12:17:43.034" v="41" actId="26606"/>
+          <ac:spMkLst>
+            <pc:docMk/>
+            <pc:sldMk cId="450873282" sldId="259"/>
+            <ac:spMk id="65" creationId="{87B2F32A-3C1B-4881-BDC9-094804BD268A}"/>
+          </ac:spMkLst>
+        </pc:spChg>
+        <pc:spChg chg="add del">
+          <ac:chgData name="Bruno Ramos" userId="f7b2668e7be188c5" providerId="LiveId" clId="{595D1C6A-75CB-4716-B05F-EEC7AF5A7C97}" dt="2020-03-25T12:17:43.034" v="41" actId="26606"/>
+          <ac:spMkLst>
+            <pc:docMk/>
+            <pc:sldMk cId="450873282" sldId="259"/>
+            <ac:spMk id="68" creationId="{94792B6C-F2D1-4D46-9001-8B848CBDB74C}"/>
+          </ac:spMkLst>
+        </pc:spChg>
+        <pc:spChg chg="add del">
+          <ac:chgData name="Bruno Ramos" userId="f7b2668e7be188c5" providerId="LiveId" clId="{595D1C6A-75CB-4716-B05F-EEC7AF5A7C97}" dt="2020-03-25T12:17:43.034" v="41" actId="26606"/>
+          <ac:spMkLst>
+            <pc:docMk/>
+            <pc:sldMk cId="450873282" sldId="259"/>
+            <ac:spMk id="69" creationId="{26DC4019-1D02-4D43-8E92-EC1EB626FD2D}"/>
+          </ac:spMkLst>
+        </pc:spChg>
+        <pc:spChg chg="add del">
+          <ac:chgData name="Bruno Ramos" userId="f7b2668e7be188c5" providerId="LiveId" clId="{595D1C6A-75CB-4716-B05F-EEC7AF5A7C97}" dt="2020-03-25T12:17:43.034" v="41" actId="26606"/>
+          <ac:spMkLst>
+            <pc:docMk/>
+            <pc:sldMk cId="450873282" sldId="259"/>
+            <ac:spMk id="70" creationId="{D6D34D9C-57DC-428C-92E0-AD2217AFFDC4}"/>
+          </ac:spMkLst>
+        </pc:spChg>
+        <pc:spChg chg="add del">
+          <ac:chgData name="Bruno Ramos" userId="f7b2668e7be188c5" providerId="LiveId" clId="{595D1C6A-75CB-4716-B05F-EEC7AF5A7C97}" dt="2020-03-25T12:17:43.034" v="41" actId="26606"/>
+          <ac:spMkLst>
+            <pc:docMk/>
+            <pc:sldMk cId="450873282" sldId="259"/>
+            <ac:spMk id="71" creationId="{D9EC4FC8-2DF7-4B48-B774-7ACCBB800717}"/>
+          </ac:spMkLst>
+        </pc:spChg>
+        <pc:spChg chg="add del">
+          <ac:chgData name="Bruno Ramos" userId="f7b2668e7be188c5" providerId="LiveId" clId="{595D1C6A-75CB-4716-B05F-EEC7AF5A7C97}" dt="2020-03-25T12:17:36.258" v="36" actId="26606"/>
+          <ac:spMkLst>
+            <pc:docMk/>
+            <pc:sldMk cId="450873282" sldId="259"/>
+            <ac:spMk id="82" creationId="{2EF22102-83EB-49F5-99EC-1534C57EED31}"/>
+          </ac:spMkLst>
+        </pc:spChg>
+        <pc:spChg chg="add del">
+          <ac:chgData name="Bruno Ramos" userId="f7b2668e7be188c5" providerId="LiveId" clId="{595D1C6A-75CB-4716-B05F-EEC7AF5A7C97}" dt="2020-03-25T12:17:36.258" v="36" actId="26606"/>
+          <ac:spMkLst>
+            <pc:docMk/>
+            <pc:sldMk cId="450873282" sldId="259"/>
+            <ac:spMk id="84" creationId="{0EC250B3-686F-4E97-8FFD-8AE8ECD5DE37}"/>
+          </ac:spMkLst>
+        </pc:spChg>
+        <pc:spChg chg="add del">
+          <ac:chgData name="Bruno Ramos" userId="f7b2668e7be188c5" providerId="LiveId" clId="{595D1C6A-75CB-4716-B05F-EEC7AF5A7C97}" dt="2020-03-25T12:17:36.258" v="36" actId="26606"/>
+          <ac:spMkLst>
+            <pc:docMk/>
+            <pc:sldMk cId="450873282" sldId="259"/>
+            <ac:spMk id="86" creationId="{051B451F-9DD5-4A5A-90B8-11C90CC93677}"/>
+          </ac:spMkLst>
+        </pc:spChg>
+        <pc:spChg chg="add del">
+          <ac:chgData name="Bruno Ramos" userId="f7b2668e7be188c5" providerId="LiveId" clId="{595D1C6A-75CB-4716-B05F-EEC7AF5A7C97}" dt="2020-03-25T12:17:36.258" v="36" actId="26606"/>
+          <ac:spMkLst>
+            <pc:docMk/>
+            <pc:sldMk cId="450873282" sldId="259"/>
+            <ac:spMk id="92" creationId="{13F257CF-45AD-4564-AF51-CEDAA4786AB9}"/>
+          </ac:spMkLst>
+        </pc:spChg>
+        <pc:spChg chg="add del">
+          <ac:chgData name="Bruno Ramos" userId="f7b2668e7be188c5" providerId="LiveId" clId="{595D1C6A-75CB-4716-B05F-EEC7AF5A7C97}" dt="2020-03-25T12:17:36.258" v="36" actId="26606"/>
+          <ac:spMkLst>
+            <pc:docMk/>
+            <pc:sldMk cId="450873282" sldId="259"/>
+            <ac:spMk id="94" creationId="{93D76AED-7D20-4061-8AC1-25828C873917}"/>
+          </ac:spMkLst>
+        </pc:spChg>
+        <pc:spChg chg="add del">
+          <ac:chgData name="Bruno Ramos" userId="f7b2668e7be188c5" providerId="LiveId" clId="{595D1C6A-75CB-4716-B05F-EEC7AF5A7C97}" dt="2020-03-25T12:17:36.258" v="36" actId="26606"/>
+          <ac:spMkLst>
+            <pc:docMk/>
+            <pc:sldMk cId="450873282" sldId="259"/>
+            <ac:spMk id="96" creationId="{20F4BA7B-1C92-49A8-BD52-9DBD81E81E32}"/>
+          </ac:spMkLst>
+        </pc:spChg>
+        <pc:spChg chg="add del">
+          <ac:chgData name="Bruno Ramos" userId="f7b2668e7be188c5" providerId="LiveId" clId="{595D1C6A-75CB-4716-B05F-EEC7AF5A7C97}" dt="2020-03-25T12:17:36.258" v="36" actId="26606"/>
+          <ac:spMkLst>
+            <pc:docMk/>
+            <pc:sldMk cId="450873282" sldId="259"/>
+            <ac:spMk id="98" creationId="{474942DA-ED3B-4AAA-B541-219ADEF8433D}"/>
+          </ac:spMkLst>
+        </pc:spChg>
+        <pc:spChg chg="add del">
+          <ac:chgData name="Bruno Ramos" userId="f7b2668e7be188c5" providerId="LiveId" clId="{595D1C6A-75CB-4716-B05F-EEC7AF5A7C97}" dt="2020-03-25T12:17:36.258" v="36" actId="26606"/>
+          <ac:spMkLst>
+            <pc:docMk/>
+            <pc:sldMk cId="450873282" sldId="259"/>
+            <ac:spMk id="100" creationId="{EE6BC664-B276-412B-9A49-3E33213B8606}"/>
+          </ac:spMkLst>
+        </pc:spChg>
+        <pc:spChg chg="add del">
+          <ac:chgData name="Bruno Ramos" userId="f7b2668e7be188c5" providerId="LiveId" clId="{595D1C6A-75CB-4716-B05F-EEC7AF5A7C97}" dt="2020-03-25T12:17:42.522" v="40" actId="26606"/>
+          <ac:spMkLst>
+            <pc:docMk/>
+            <pc:sldMk cId="450873282" sldId="259"/>
+            <ac:spMk id="105" creationId="{EE2923D5-2453-48AE-84D0-4F20C2817445}"/>
+          </ac:spMkLst>
+        </pc:spChg>
+        <pc:spChg chg="add del">
+          <ac:chgData name="Bruno Ramos" userId="f7b2668e7be188c5" providerId="LiveId" clId="{595D1C6A-75CB-4716-B05F-EEC7AF5A7C97}" dt="2020-03-25T12:17:42.522" v="40" actId="26606"/>
+          <ac:spMkLst>
+            <pc:docMk/>
+            <pc:sldMk cId="450873282" sldId="259"/>
+            <ac:spMk id="106" creationId="{87B2F32A-3C1B-4881-BDC9-094804BD268A}"/>
+          </ac:spMkLst>
+        </pc:spChg>
+        <pc:spChg chg="add del">
+          <ac:chgData name="Bruno Ramos" userId="f7b2668e7be188c5" providerId="LiveId" clId="{595D1C6A-75CB-4716-B05F-EEC7AF5A7C97}" dt="2020-03-25T12:17:42.522" v="40" actId="26606"/>
+          <ac:spMkLst>
+            <pc:docMk/>
+            <pc:sldMk cId="450873282" sldId="259"/>
+            <ac:spMk id="109" creationId="{138FBA86-9EB7-4930-9037-593598624DFC}"/>
+          </ac:spMkLst>
+        </pc:spChg>
+        <pc:spChg chg="add del">
+          <ac:chgData name="Bruno Ramos" userId="f7b2668e7be188c5" providerId="LiveId" clId="{595D1C6A-75CB-4716-B05F-EEC7AF5A7C97}" dt="2020-03-25T12:17:42.522" v="40" actId="26606"/>
+          <ac:spMkLst>
+            <pc:docMk/>
+            <pc:sldMk cId="450873282" sldId="259"/>
+            <ac:spMk id="110" creationId="{492174FA-36EE-4978-9C32-5268F4534203}"/>
+          </ac:spMkLst>
+        </pc:spChg>
+        <pc:spChg chg="add del">
+          <ac:chgData name="Bruno Ramos" userId="f7b2668e7be188c5" providerId="LiveId" clId="{595D1C6A-75CB-4716-B05F-EEC7AF5A7C97}" dt="2020-03-25T12:17:42.522" v="40" actId="26606"/>
+          <ac:spMkLst>
+            <pc:docMk/>
+            <pc:sldMk cId="450873282" sldId="259"/>
+            <ac:spMk id="111" creationId="{72C3282A-4194-4E08-B865-BE828A0F02A2}"/>
+          </ac:spMkLst>
+        </pc:spChg>
+        <pc:spChg chg="add del">
+          <ac:chgData name="Bruno Ramos" userId="f7b2668e7be188c5" providerId="LiveId" clId="{595D1C6A-75CB-4716-B05F-EEC7AF5A7C97}" dt="2020-03-25T12:17:42.522" v="40" actId="26606"/>
+          <ac:spMkLst>
+            <pc:docMk/>
+            <pc:sldMk cId="450873282" sldId="259"/>
+            <ac:spMk id="112" creationId="{2323414F-54FD-491F-BDA4-622678BD7581}"/>
+          </ac:spMkLst>
+        </pc:spChg>
+        <pc:grpChg chg="add del">
+          <ac:chgData name="Bruno Ramos" userId="f7b2668e7be188c5" providerId="LiveId" clId="{595D1C6A-75CB-4716-B05F-EEC7AF5A7C97}" dt="2020-03-25T12:17:13.645" v="29" actId="26606"/>
+          <ac:grpSpMkLst>
+            <pc:docMk/>
+            <pc:sldMk cId="450873282" sldId="259"/>
+            <ac:grpSpMk id="26" creationId="{B36BD125-09CC-4C71-913C-1021EF6B472C}"/>
+          </ac:grpSpMkLst>
+        </pc:grpChg>
+        <pc:grpChg chg="add del">
+          <ac:chgData name="Bruno Ramos" userId="f7b2668e7be188c5" providerId="LiveId" clId="{595D1C6A-75CB-4716-B05F-EEC7AF5A7C97}" dt="2020-03-25T12:17:15.749" v="31" actId="26606"/>
+          <ac:grpSpMkLst>
+            <pc:docMk/>
+            <pc:sldMk cId="450873282" sldId="259"/>
+            <ac:grpSpMk id="43" creationId="{CF42E396-F955-4F53-80B2-FF908491C60B}"/>
+          </ac:grpSpMkLst>
+        </pc:grpChg>
+        <pc:grpChg chg="add del">
+          <ac:chgData name="Bruno Ramos" userId="f7b2668e7be188c5" providerId="LiveId" clId="{595D1C6A-75CB-4716-B05F-EEC7AF5A7C97}" dt="2020-03-25T12:17:25.017" v="33" actId="26606"/>
+          <ac:grpSpMkLst>
+            <pc:docMk/>
+            <pc:sldMk cId="450873282" sldId="259"/>
+            <ac:grpSpMk id="55" creationId="{D0216C70-B474-4E7F-BC86-D8924C71FA60}"/>
+          </ac:grpSpMkLst>
+        </pc:grpChg>
+        <pc:grpChg chg="add del">
+          <ac:chgData name="Bruno Ramos" userId="f7b2668e7be188c5" providerId="LiveId" clId="{595D1C6A-75CB-4716-B05F-EEC7AF5A7C97}" dt="2020-03-25T12:17:43.034" v="41" actId="26606"/>
+          <ac:grpSpMkLst>
+            <pc:docMk/>
+            <pc:sldMk cId="450873282" sldId="259"/>
+            <ac:grpSpMk id="66" creationId="{B36BD125-09CC-4C71-913C-1021EF6B472C}"/>
+          </ac:grpSpMkLst>
+        </pc:grpChg>
+        <pc:grpChg chg="add del">
+          <ac:chgData name="Bruno Ramos" userId="f7b2668e7be188c5" providerId="LiveId" clId="{595D1C6A-75CB-4716-B05F-EEC7AF5A7C97}" dt="2020-03-25T12:17:42.522" v="40" actId="26606"/>
+          <ac:grpSpMkLst>
+            <pc:docMk/>
+            <pc:sldMk cId="450873282" sldId="259"/>
+            <ac:grpSpMk id="107" creationId="{D0216C70-B474-4E7F-BC86-D8924C71FA60}"/>
+          </ac:grpSpMkLst>
+        </pc:grpChg>
+        <pc:picChg chg="add mod ord">
+          <ac:chgData name="Bruno Ramos" userId="f7b2668e7be188c5" providerId="LiveId" clId="{595D1C6A-75CB-4716-B05F-EEC7AF5A7C97}" dt="2020-03-25T12:18:04.648" v="51" actId="1076"/>
+          <ac:picMkLst>
+            <pc:docMk/>
+            <pc:sldMk cId="450873282" sldId="259"/>
+            <ac:picMk id="5" creationId="{A939387B-4ED1-41DA-BBAE-FEB592EB6C7C}"/>
+          </ac:picMkLst>
+        </pc:picChg>
+        <pc:picChg chg="add mod ord">
+          <ac:chgData name="Bruno Ramos" userId="f7b2668e7be188c5" providerId="LiveId" clId="{595D1C6A-75CB-4716-B05F-EEC7AF5A7C97}" dt="2020-03-25T12:18:04.648" v="51" actId="1076"/>
+          <ac:picMkLst>
+            <pc:docMk/>
+            <pc:sldMk cId="450873282" sldId="259"/>
+            <ac:picMk id="7" creationId="{43FEC8BA-B6F0-4D74-814E-19AD1119B76D}"/>
+          </ac:picMkLst>
+        </pc:picChg>
+        <pc:picChg chg="add mod ord">
+          <ac:chgData name="Bruno Ramos" userId="f7b2668e7be188c5" providerId="LiveId" clId="{595D1C6A-75CB-4716-B05F-EEC7AF5A7C97}" dt="2020-03-25T12:18:04.648" v="51" actId="1076"/>
+          <ac:picMkLst>
+            <pc:docMk/>
+            <pc:sldMk cId="450873282" sldId="259"/>
+            <ac:picMk id="9" creationId="{98604973-8C12-45EB-8514-C61AD409B29E}"/>
+          </ac:picMkLst>
+        </pc:picChg>
+        <pc:picChg chg="add mod ord">
+          <ac:chgData name="Bruno Ramos" userId="f7b2668e7be188c5" providerId="LiveId" clId="{595D1C6A-75CB-4716-B05F-EEC7AF5A7C97}" dt="2020-03-25T12:18:04.648" v="51" actId="1076"/>
+          <ac:picMkLst>
+            <pc:docMk/>
+            <pc:sldMk cId="450873282" sldId="259"/>
+            <ac:picMk id="11" creationId="{530C4846-B568-4F9A-8A61-A2A92DFD9EEE}"/>
+          </ac:picMkLst>
+        </pc:picChg>
+        <pc:picChg chg="add del">
+          <ac:chgData name="Bruno Ramos" userId="f7b2668e7be188c5" providerId="LiveId" clId="{595D1C6A-75CB-4716-B05F-EEC7AF5A7C97}" dt="2020-03-25T12:17:13.645" v="29" actId="26606"/>
+          <ac:picMkLst>
+            <pc:docMk/>
+            <pc:sldMk cId="450873282" sldId="259"/>
+            <ac:picMk id="16" creationId="{0942FCB7-D1B7-4F20-8B70-9735A08EB90F}"/>
+          </ac:picMkLst>
+        </pc:picChg>
+        <pc:picChg chg="add del">
+          <ac:chgData name="Bruno Ramos" userId="f7b2668e7be188c5" providerId="LiveId" clId="{595D1C6A-75CB-4716-B05F-EEC7AF5A7C97}" dt="2020-03-25T12:17:13.645" v="29" actId="26606"/>
+          <ac:picMkLst>
+            <pc:docMk/>
+            <pc:sldMk cId="450873282" sldId="259"/>
+            <ac:picMk id="18" creationId="{6E82EE6F-2374-4443-8A3F-F342A1FEE392}"/>
+          </ac:picMkLst>
+        </pc:picChg>
+        <pc:picChg chg="add del">
+          <ac:chgData name="Bruno Ramos" userId="f7b2668e7be188c5" providerId="LiveId" clId="{595D1C6A-75CB-4716-B05F-EEC7AF5A7C97}" dt="2020-03-25T12:17:13.645" v="29" actId="26606"/>
+          <ac:picMkLst>
+            <pc:docMk/>
+            <pc:sldMk cId="450873282" sldId="259"/>
+            <ac:picMk id="20" creationId="{978818C7-5520-4AA4-B8C8-1E29137E3AC3}"/>
+          </ac:picMkLst>
+        </pc:picChg>
+        <pc:picChg chg="add del">
+          <ac:chgData name="Bruno Ramos" userId="f7b2668e7be188c5" providerId="LiveId" clId="{595D1C6A-75CB-4716-B05F-EEC7AF5A7C97}" dt="2020-03-25T12:17:15.749" v="31" actId="26606"/>
+          <ac:picMkLst>
+            <pc:docMk/>
+            <pc:sldMk cId="450873282" sldId="259"/>
+            <ac:picMk id="38" creationId="{2F74CD13-E6E2-4BA1-A746-26D1A485D405}"/>
+          </ac:picMkLst>
+        </pc:picChg>
+        <pc:picChg chg="add del">
+          <ac:chgData name="Bruno Ramos" userId="f7b2668e7be188c5" providerId="LiveId" clId="{595D1C6A-75CB-4716-B05F-EEC7AF5A7C97}" dt="2020-03-25T12:17:15.749" v="31" actId="26606"/>
+          <ac:picMkLst>
+            <pc:docMk/>
+            <pc:sldMk cId="450873282" sldId="259"/>
+            <ac:picMk id="39" creationId="{B346EC20-981A-4C3D-BE3E-545E9E7AA984}"/>
+          </ac:picMkLst>
+        </pc:picChg>
+        <pc:picChg chg="add del">
+          <ac:chgData name="Bruno Ramos" userId="f7b2668e7be188c5" providerId="LiveId" clId="{595D1C6A-75CB-4716-B05F-EEC7AF5A7C97}" dt="2020-03-25T12:17:15.749" v="31" actId="26606"/>
+          <ac:picMkLst>
+            <pc:docMk/>
+            <pc:sldMk cId="450873282" sldId="259"/>
+            <ac:picMk id="40" creationId="{1679C49F-A469-46CB-BDFA-0DD516D5A43D}"/>
+          </ac:picMkLst>
+        </pc:picChg>
+        <pc:picChg chg="add del">
+          <ac:chgData name="Bruno Ramos" userId="f7b2668e7be188c5" providerId="LiveId" clId="{595D1C6A-75CB-4716-B05F-EEC7AF5A7C97}" dt="2020-03-25T12:17:25.017" v="33" actId="26606"/>
+          <ac:picMkLst>
+            <pc:docMk/>
+            <pc:sldMk cId="450873282" sldId="259"/>
+            <ac:picMk id="50" creationId="{0942FCB7-D1B7-4F20-8B70-9735A08EB90F}"/>
+          </ac:picMkLst>
+        </pc:picChg>
+        <pc:picChg chg="add del">
+          <ac:chgData name="Bruno Ramos" userId="f7b2668e7be188c5" providerId="LiveId" clId="{595D1C6A-75CB-4716-B05F-EEC7AF5A7C97}" dt="2020-03-25T12:17:25.017" v="33" actId="26606"/>
+          <ac:picMkLst>
+            <pc:docMk/>
+            <pc:sldMk cId="450873282" sldId="259"/>
+            <ac:picMk id="51" creationId="{6E82EE6F-2374-4443-8A3F-F342A1FEE392}"/>
+          </ac:picMkLst>
+        </pc:picChg>
+        <pc:picChg chg="add del">
+          <ac:chgData name="Bruno Ramos" userId="f7b2668e7be188c5" providerId="LiveId" clId="{595D1C6A-75CB-4716-B05F-EEC7AF5A7C97}" dt="2020-03-25T12:17:25.017" v="33" actId="26606"/>
+          <ac:picMkLst>
+            <pc:docMk/>
+            <pc:sldMk cId="450873282" sldId="259"/>
+            <ac:picMk id="52" creationId="{978818C7-5520-4AA4-B8C8-1E29137E3AC3}"/>
+          </ac:picMkLst>
+        </pc:picChg>
+        <pc:picChg chg="add del">
+          <ac:chgData name="Bruno Ramos" userId="f7b2668e7be188c5" providerId="LiveId" clId="{595D1C6A-75CB-4716-B05F-EEC7AF5A7C97}" dt="2020-03-25T12:17:43.034" v="41" actId="26606"/>
+          <ac:picMkLst>
+            <pc:docMk/>
+            <pc:sldMk cId="450873282" sldId="259"/>
+            <ac:picMk id="61" creationId="{0942FCB7-D1B7-4F20-8B70-9735A08EB90F}"/>
+          </ac:picMkLst>
+        </pc:picChg>
+        <pc:picChg chg="add del">
+          <ac:chgData name="Bruno Ramos" userId="f7b2668e7be188c5" providerId="LiveId" clId="{595D1C6A-75CB-4716-B05F-EEC7AF5A7C97}" dt="2020-03-25T12:17:43.034" v="41" actId="26606"/>
+          <ac:picMkLst>
+            <pc:docMk/>
+            <pc:sldMk cId="450873282" sldId="259"/>
+            <ac:picMk id="62" creationId="{6E82EE6F-2374-4443-8A3F-F342A1FEE392}"/>
+          </ac:picMkLst>
+        </pc:picChg>
+        <pc:picChg chg="add del">
+          <ac:chgData name="Bruno Ramos" userId="f7b2668e7be188c5" providerId="LiveId" clId="{595D1C6A-75CB-4716-B05F-EEC7AF5A7C97}" dt="2020-03-25T12:17:43.034" v="41" actId="26606"/>
+          <ac:picMkLst>
+            <pc:docMk/>
+            <pc:sldMk cId="450873282" sldId="259"/>
+            <ac:picMk id="63" creationId="{978818C7-5520-4AA4-B8C8-1E29137E3AC3}"/>
+          </ac:picMkLst>
+        </pc:picChg>
+        <pc:picChg chg="add del">
+          <ac:chgData name="Bruno Ramos" userId="f7b2668e7be188c5" providerId="LiveId" clId="{595D1C6A-75CB-4716-B05F-EEC7AF5A7C97}" dt="2020-03-25T12:17:36.258" v="36" actId="26606"/>
+          <ac:picMkLst>
+            <pc:docMk/>
+            <pc:sldMk cId="450873282" sldId="259"/>
+            <ac:picMk id="76" creationId="{2F74CD13-E6E2-4BA1-A746-26D1A485D405}"/>
+          </ac:picMkLst>
+        </pc:picChg>
+        <pc:picChg chg="add del">
+          <ac:chgData name="Bruno Ramos" userId="f7b2668e7be188c5" providerId="LiveId" clId="{595D1C6A-75CB-4716-B05F-EEC7AF5A7C97}" dt="2020-03-25T12:17:36.258" v="36" actId="26606"/>
+          <ac:picMkLst>
+            <pc:docMk/>
+            <pc:sldMk cId="450873282" sldId="259"/>
+            <ac:picMk id="78" creationId="{B346EC20-981A-4C3D-BE3E-545E9E7AA984}"/>
+          </ac:picMkLst>
+        </pc:picChg>
+        <pc:picChg chg="add del">
+          <ac:chgData name="Bruno Ramos" userId="f7b2668e7be188c5" providerId="LiveId" clId="{595D1C6A-75CB-4716-B05F-EEC7AF5A7C97}" dt="2020-03-25T12:17:36.258" v="36" actId="26606"/>
+          <ac:picMkLst>
+            <pc:docMk/>
+            <pc:sldMk cId="450873282" sldId="259"/>
+            <ac:picMk id="80" creationId="{1679C49F-A469-46CB-BDFA-0DD516D5A43D}"/>
+          </ac:picMkLst>
+        </pc:picChg>
+        <pc:picChg chg="add del">
+          <ac:chgData name="Bruno Ramos" userId="f7b2668e7be188c5" providerId="LiveId" clId="{595D1C6A-75CB-4716-B05F-EEC7AF5A7C97}" dt="2020-03-25T12:17:36.258" v="36" actId="26606"/>
+          <ac:picMkLst>
+            <pc:docMk/>
+            <pc:sldMk cId="450873282" sldId="259"/>
+            <ac:picMk id="88" creationId="{F6849804-AEAB-40AC-A061-92831A9F4E8E}"/>
+          </ac:picMkLst>
+        </pc:picChg>
+        <pc:picChg chg="add del">
+          <ac:chgData name="Bruno Ramos" userId="f7b2668e7be188c5" providerId="LiveId" clId="{595D1C6A-75CB-4716-B05F-EEC7AF5A7C97}" dt="2020-03-25T12:17:36.258" v="36" actId="26606"/>
+          <ac:picMkLst>
+            <pc:docMk/>
+            <pc:sldMk cId="450873282" sldId="259"/>
+            <ac:picMk id="90" creationId="{D65D459B-87BB-48ED-841D-560ACDFFB2CC}"/>
+          </ac:picMkLst>
+        </pc:picChg>
+        <pc:picChg chg="add del">
+          <ac:chgData name="Bruno Ramos" userId="f7b2668e7be188c5" providerId="LiveId" clId="{595D1C6A-75CB-4716-B05F-EEC7AF5A7C97}" dt="2020-03-25T12:17:42.522" v="40" actId="26606"/>
+          <ac:picMkLst>
+            <pc:docMk/>
+            <pc:sldMk cId="450873282" sldId="259"/>
+            <ac:picMk id="102" creationId="{0942FCB7-D1B7-4F20-8B70-9735A08EB90F}"/>
+          </ac:picMkLst>
+        </pc:picChg>
+        <pc:picChg chg="add del">
+          <ac:chgData name="Bruno Ramos" userId="f7b2668e7be188c5" providerId="LiveId" clId="{595D1C6A-75CB-4716-B05F-EEC7AF5A7C97}" dt="2020-03-25T12:17:42.522" v="40" actId="26606"/>
+          <ac:picMkLst>
+            <pc:docMk/>
+            <pc:sldMk cId="450873282" sldId="259"/>
+            <ac:picMk id="103" creationId="{6E82EE6F-2374-4443-8A3F-F342A1FEE392}"/>
+          </ac:picMkLst>
+        </pc:picChg>
+        <pc:picChg chg="add del">
+          <ac:chgData name="Bruno Ramos" userId="f7b2668e7be188c5" providerId="LiveId" clId="{595D1C6A-75CB-4716-B05F-EEC7AF5A7C97}" dt="2020-03-25T12:17:42.522" v="40" actId="26606"/>
+          <ac:picMkLst>
+            <pc:docMk/>
+            <pc:sldMk cId="450873282" sldId="259"/>
+            <ac:picMk id="104" creationId="{978818C7-5520-4AA4-B8C8-1E29137E3AC3}"/>
+          </ac:picMkLst>
+        </pc:picChg>
+      </pc:sldChg>
+    </pc:docChg>
+  </pc:docChgLst>
+</pc:chgInfo>
 </file>
 
 <file path=ppt/diagrams/colors1.xml><?xml version="1.0" encoding="utf-8"?>
@@ -3223,7 +3810,7 @@
           <a:p>
             <a:fld id="{78ABE3C1-DBE1-495D-B57B-2849774B866A}" type="datetimeFigureOut">
               <a:rPr lang="en-US" dirty="0"/>
-              <a:t>3/23/2020</a:t>
+              <a:t>3/25/2020</a:t>
             </a:fld>
             <a:endParaRPr lang="en-US" dirty="0"/>
           </a:p>
@@ -3632,7 +4219,7 @@
           <a:p>
             <a:fld id="{446C117F-5CCF-4837-BE5F-2B92066CAFAF}" type="datetimeFigureOut">
               <a:rPr lang="en-US" dirty="0"/>
-              <a:t>3/23/2020</a:t>
+              <a:t>3/25/2020</a:t>
             </a:fld>
             <a:endParaRPr lang="en-US" dirty="0"/>
           </a:p>
@@ -3963,7 +4550,7 @@
           <a:p>
             <a:fld id="{84EB90BD-B6CE-46B7-997F-7313B992CCDC}" type="datetimeFigureOut">
               <a:rPr lang="en-US" dirty="0"/>
-              <a:t>3/23/2020</a:t>
+              <a:t>3/25/2020</a:t>
             </a:fld>
             <a:endParaRPr lang="en-US" dirty="0"/>
           </a:p>
@@ -4363,7 +4950,7 @@
           <a:p>
             <a:fld id="{CDB9D11F-B188-461D-B23F-39381795C052}" type="datetimeFigureOut">
               <a:rPr lang="en-US" dirty="0"/>
-              <a:t>3/23/2020</a:t>
+              <a:t>3/25/2020</a:t>
             </a:fld>
             <a:endParaRPr lang="en-US" dirty="0"/>
           </a:p>
@@ -4926,7 +5513,7 @@
           <a:p>
             <a:fld id="{52E6D8D9-55A2-4063-B0F3-121F44549695}" type="datetimeFigureOut">
               <a:rPr lang="en-US" dirty="0"/>
-              <a:t>3/23/2020</a:t>
+              <a:t>3/25/2020</a:t>
             </a:fld>
             <a:endParaRPr lang="en-US" dirty="0"/>
           </a:p>
@@ -5602,7 +6189,7 @@
           <a:p>
             <a:fld id="{D4B24536-994D-4021-A283-9F449C0DB509}" type="datetimeFigureOut">
               <a:rPr lang="en-US" dirty="0"/>
-              <a:t>3/23/2020</a:t>
+              <a:t>3/25/2020</a:t>
             </a:fld>
             <a:endParaRPr lang="en-US" dirty="0"/>
           </a:p>
@@ -6510,7 +7097,7 @@
           <a:p>
             <a:fld id="{3CBBBB78-C96F-47B7-AB17-D852CA960AC9}" type="datetimeFigureOut">
               <a:rPr lang="en-US" dirty="0"/>
-              <a:t>3/23/2020</a:t>
+              <a:t>3/25/2020</a:t>
             </a:fld>
             <a:endParaRPr lang="en-US" dirty="0"/>
           </a:p>
@@ -6818,7 +7405,7 @@
           <a:p>
             <a:fld id="{1FA3F48C-C7C6-4055-9F49-3777875E72AE}" type="datetimeFigureOut">
               <a:rPr lang="en-US" dirty="0"/>
-              <a:t>3/23/2020</a:t>
+              <a:t>3/25/2020</a:t>
             </a:fld>
             <a:endParaRPr lang="en-US" dirty="0"/>
           </a:p>
@@ -7077,7 +7664,7 @@
           <a:p>
             <a:fld id="{6178E61D-D431-422C-9764-11DAFE33AB63}" type="datetimeFigureOut">
               <a:rPr lang="en-US" dirty="0"/>
-              <a:t>3/23/2020</a:t>
+              <a:t>3/25/2020</a:t>
             </a:fld>
             <a:endParaRPr lang="en-US" dirty="0"/>
           </a:p>
@@ -7396,7 +7983,7 @@
           <a:p>
             <a:fld id="{12DE42F4-6EEF-4EF7-8ED4-2208F0F89A08}" type="datetimeFigureOut">
               <a:rPr lang="en-US" dirty="0"/>
-              <a:t>3/23/2020</a:t>
+              <a:t>3/25/2020</a:t>
             </a:fld>
             <a:endParaRPr lang="en-US" dirty="0"/>
           </a:p>
@@ -7780,7 +8367,7 @@
           <a:p>
             <a:fld id="{30578ACC-22D6-47C1-A373-4FD133E34F3C}" type="datetimeFigureOut">
               <a:rPr lang="en-US" dirty="0"/>
-              <a:t>3/23/2020</a:t>
+              <a:t>3/25/2020</a:t>
             </a:fld>
             <a:endParaRPr lang="en-US" dirty="0"/>
           </a:p>
@@ -8151,7 +8738,7 @@
           <a:p>
             <a:fld id="{4E5A6C69-6797-4E8A-BF37-F2C3751466E9}" type="datetimeFigureOut">
               <a:rPr lang="en-US" dirty="0"/>
-              <a:t>3/23/2020</a:t>
+              <a:t>3/25/2020</a:t>
             </a:fld>
             <a:endParaRPr lang="en-US" dirty="0"/>
           </a:p>
@@ -8652,7 +9239,7 @@
           <a:p>
             <a:fld id="{D82014A1-A632-4878-A0D3-F52BA7563730}" type="datetimeFigureOut">
               <a:rPr lang="en-US" dirty="0"/>
-              <a:t>3/23/2020</a:t>
+              <a:t>3/25/2020</a:t>
             </a:fld>
             <a:endParaRPr lang="en-US" dirty="0"/>
           </a:p>
@@ -8904,7 +9491,7 @@
           <a:p>
             <a:fld id="{CE99F462-093F-4566-844B-4C71F2739DA5}" type="datetimeFigureOut">
               <a:rPr lang="en-US" dirty="0"/>
-              <a:t>3/23/2020</a:t>
+              <a:t>3/25/2020</a:t>
             </a:fld>
             <a:endParaRPr lang="en-US" dirty="0"/>
           </a:p>
@@ -9062,7 +9649,7 @@
           <a:p>
             <a:fld id="{3D24A7AC-904D-4781-85BA-7D10C17ED021}" type="datetimeFigureOut">
               <a:rPr lang="en-US" dirty="0"/>
-              <a:t>3/23/2020</a:t>
+              <a:t>3/25/2020</a:t>
             </a:fld>
             <a:endParaRPr lang="en-US" dirty="0"/>
           </a:p>
@@ -9447,7 +10034,7 @@
           <a:p>
             <a:fld id="{E331444B-B92B-4E27-8C94-BB93EAF5CB18}" type="datetimeFigureOut">
               <a:rPr lang="en-US" dirty="0"/>
-              <a:t>3/23/2020</a:t>
+              <a:t>3/25/2020</a:t>
             </a:fld>
             <a:endParaRPr lang="en-US" dirty="0"/>
           </a:p>
@@ -9851,7 +10438,7 @@
           <a:p>
             <a:fld id="{363EFA5E-FA76-400D-B3DC-F0BA90E6D107}" type="datetimeFigureOut">
               <a:rPr lang="en-US" dirty="0"/>
-              <a:t>3/23/2020</a:t>
+              <a:t>3/25/2020</a:t>
             </a:fld>
             <a:endParaRPr lang="en-US" dirty="0"/>
           </a:p>
@@ -10090,7 +10677,7 @@
           <a:p>
             <a:fld id="{9D6E9DEC-419B-4CC5-A080-3B06BD5A8291}" type="datetimeFigureOut">
               <a:rPr lang="en-US" dirty="0"/>
-              <a:t>3/23/2020</a:t>
+              <a:t>3/25/2020</a:t>
             </a:fld>
             <a:endParaRPr lang="en-US" dirty="0"/>
           </a:p>
@@ -10625,11 +11212,11 @@
   <p:clrMapOvr>
     <a:masterClrMapping/>
   </p:clrMapOvr>
-  <mc:AlternateContent xmlns:mc="http://schemas.openxmlformats.org/markup-compatibility/2006">
-    <mc:Choice xmlns:p14="http://schemas.microsoft.com/office/powerpoint/2010/main" Requires="p14">
+  <mc:AlternateContent xmlns:mc="http://schemas.openxmlformats.org/markup-compatibility/2006" xmlns:p14="http://schemas.microsoft.com/office/powerpoint/2010/main">
+    <mc:Choice Requires="p14">
       <p:transition spd="slow" p14:dur="2000" advTm="4735"/>
     </mc:Choice>
-    <mc:Fallback>
+    <mc:Fallback xmlns="">
       <p:transition spd="slow" advTm="4735"/>
     </mc:Fallback>
   </mc:AlternateContent>
@@ -10890,11 +11477,11 @@
   <p:clrMapOvr>
     <a:masterClrMapping/>
   </p:clrMapOvr>
-  <mc:AlternateContent xmlns:mc="http://schemas.openxmlformats.org/markup-compatibility/2006">
-    <mc:Choice xmlns:p14="http://schemas.microsoft.com/office/powerpoint/2010/main" Requires="p14">
+  <mc:AlternateContent xmlns:mc="http://schemas.openxmlformats.org/markup-compatibility/2006" xmlns:p14="http://schemas.microsoft.com/office/powerpoint/2010/main">
+    <mc:Choice Requires="p14">
       <p:transition spd="slow" p14:dur="2000" advTm="45166"/>
     </mc:Choice>
-    <mc:Fallback>
+    <mc:Fallback xmlns="">
       <p:transition spd="slow" advTm="45166"/>
     </mc:Fallback>
   </mc:AlternateContent>
@@ -11010,6 +11597,185 @@
           <p:cNvPr id="2" name="Title 1">
             <a:extLst>
               <a:ext uri="{FF2B5EF4-FFF2-40B4-BE49-F238E27FC236}">
+                <a16:creationId xmlns:a16="http://schemas.microsoft.com/office/drawing/2014/main" id="{991472A2-2BC5-4981-BA22-A9A1FEF77B64}"/>
+              </a:ext>
+            </a:extLst>
+          </p:cNvPr>
+          <p:cNvSpPr>
+            <a:spLocks noGrp="1"/>
+          </p:cNvSpPr>
+          <p:nvPr>
+            <p:ph type="title"/>
+          </p:nvPr>
+        </p:nvSpPr>
+        <p:spPr/>
+        <p:txBody>
+          <a:bodyPr/>
+          <a:lstStyle/>
+          <a:p>
+            <a:r>
+              <a:rPr lang="en-US"/>
+              <a:t>Mockups</a:t>
+            </a:r>
+            <a:endParaRPr lang="pt-PT" dirty="0"/>
+          </a:p>
+        </p:txBody>
+      </p:sp>
+      <p:pic>
+        <p:nvPicPr>
+          <p:cNvPr id="5" name="Picture 4" descr="A screenshot of a cell phone&#10;&#10;Description automatically generated">
+            <a:extLst>
+              <a:ext uri="{FF2B5EF4-FFF2-40B4-BE49-F238E27FC236}">
+                <a16:creationId xmlns:a16="http://schemas.microsoft.com/office/drawing/2014/main" id="{A939387B-4ED1-41DA-BBAE-FEB592EB6C7C}"/>
+              </a:ext>
+            </a:extLst>
+          </p:cNvPr>
+          <p:cNvPicPr>
+            <a:picLocks noChangeAspect="1"/>
+          </p:cNvPicPr>
+          <p:nvPr/>
+        </p:nvPicPr>
+        <p:blipFill>
+          <a:blip r:embed="rId2"/>
+          <a:stretch>
+            <a:fillRect/>
+          </a:stretch>
+        </p:blipFill>
+        <p:spPr>
+          <a:xfrm>
+            <a:off x="959721" y="2306099"/>
+            <a:ext cx="2257839" cy="4007664"/>
+          </a:xfrm>
+          <a:prstGeom prst="rect">
+            <a:avLst/>
+          </a:prstGeom>
+        </p:spPr>
+      </p:pic>
+      <p:pic>
+        <p:nvPicPr>
+          <p:cNvPr id="7" name="Picture 6" descr="A close up of text on a white background&#10;&#10;Description automatically generated">
+            <a:extLst>
+              <a:ext uri="{FF2B5EF4-FFF2-40B4-BE49-F238E27FC236}">
+                <a16:creationId xmlns:a16="http://schemas.microsoft.com/office/drawing/2014/main" id="{43FEC8BA-B6F0-4D74-814E-19AD1119B76D}"/>
+              </a:ext>
+            </a:extLst>
+          </p:cNvPr>
+          <p:cNvPicPr>
+            <a:picLocks noChangeAspect="1"/>
+          </p:cNvPicPr>
+          <p:nvPr/>
+        </p:nvPicPr>
+        <p:blipFill>
+          <a:blip r:embed="rId3"/>
+          <a:stretch>
+            <a:fillRect/>
+          </a:stretch>
+        </p:blipFill>
+        <p:spPr>
+          <a:xfrm>
+            <a:off x="8987495" y="2294972"/>
+            <a:ext cx="2257839" cy="4009071"/>
+          </a:xfrm>
+          <a:prstGeom prst="rect">
+            <a:avLst/>
+          </a:prstGeom>
+        </p:spPr>
+      </p:pic>
+      <p:pic>
+        <p:nvPicPr>
+          <p:cNvPr id="9" name="Picture 8">
+            <a:extLst>
+              <a:ext uri="{FF2B5EF4-FFF2-40B4-BE49-F238E27FC236}">
+                <a16:creationId xmlns:a16="http://schemas.microsoft.com/office/drawing/2014/main" id="{98604973-8C12-45EB-8514-C61AD409B29E}"/>
+              </a:ext>
+            </a:extLst>
+          </p:cNvPr>
+          <p:cNvPicPr>
+            <a:picLocks noChangeAspect="1"/>
+          </p:cNvPicPr>
+          <p:nvPr/>
+        </p:nvPicPr>
+        <p:blipFill>
+          <a:blip r:embed="rId4"/>
+          <a:stretch>
+            <a:fillRect/>
+          </a:stretch>
+        </p:blipFill>
+        <p:spPr>
+          <a:xfrm>
+            <a:off x="6296461" y="2305395"/>
+            <a:ext cx="2255102" cy="4009071"/>
+          </a:xfrm>
+          <a:prstGeom prst="rect">
+            <a:avLst/>
+          </a:prstGeom>
+        </p:spPr>
+      </p:pic>
+      <p:pic>
+        <p:nvPicPr>
+          <p:cNvPr id="11" name="Picture 10" descr="A screenshot of a cell phone&#10;&#10;Description automatically generated">
+            <a:extLst>
+              <a:ext uri="{FF2B5EF4-FFF2-40B4-BE49-F238E27FC236}">
+                <a16:creationId xmlns:a16="http://schemas.microsoft.com/office/drawing/2014/main" id="{530C4846-B568-4F9A-8A61-A2A92DFD9EEE}"/>
+              </a:ext>
+            </a:extLst>
+          </p:cNvPr>
+          <p:cNvPicPr>
+            <a:picLocks noChangeAspect="1"/>
+          </p:cNvPicPr>
+          <p:nvPr/>
+        </p:nvPicPr>
+        <p:blipFill>
+          <a:blip r:embed="rId5"/>
+          <a:stretch>
+            <a:fillRect/>
+          </a:stretch>
+        </p:blipFill>
+        <p:spPr>
+          <a:xfrm>
+            <a:off x="3653492" y="2299831"/>
+            <a:ext cx="2255102" cy="4004212"/>
+          </a:xfrm>
+          <a:prstGeom prst="rect">
+            <a:avLst/>
+          </a:prstGeom>
+        </p:spPr>
+      </p:pic>
+    </p:spTree>
+    <p:extLst>
+      <p:ext uri="{BB962C8B-B14F-4D97-AF65-F5344CB8AC3E}">
+        <p14:creationId xmlns:p14="http://schemas.microsoft.com/office/powerpoint/2010/main" val="450873282"/>
+      </p:ext>
+    </p:extLst>
+  </p:cSld>
+  <p:clrMapOvr>
+    <a:masterClrMapping/>
+  </p:clrMapOvr>
+</p:sld>
+</file>
+
+<file path=ppt/slides/slide4.xml><?xml version="1.0" encoding="utf-8"?>
+<p:sld xmlns:a="http://schemas.openxmlformats.org/drawingml/2006/main" xmlns:r="http://schemas.openxmlformats.org/officeDocument/2006/relationships" xmlns:p="http://schemas.openxmlformats.org/presentationml/2006/main">
+  <p:cSld>
+    <p:spTree>
+      <p:nvGrpSpPr>
+        <p:cNvPr id="1" name=""/>
+        <p:cNvGrpSpPr/>
+        <p:nvPr/>
+      </p:nvGrpSpPr>
+      <p:grpSpPr>
+        <a:xfrm>
+          <a:off x="0" y="0"/>
+          <a:ext cx="0" cy="0"/>
+          <a:chOff x="0" y="0"/>
+          <a:chExt cx="0" cy="0"/>
+        </a:xfrm>
+      </p:grpSpPr>
+      <p:sp>
+        <p:nvSpPr>
+          <p:cNvPr id="2" name="Title 1">
+            <a:extLst>
+              <a:ext uri="{FF2B5EF4-FFF2-40B4-BE49-F238E27FC236}">
                 <a16:creationId xmlns:a16="http://schemas.microsoft.com/office/drawing/2014/main" id="{9308D7CC-68CF-497C-9013-5ED65FFC8DF8}"/>
               </a:ext>
             </a:extLst>
@@ -11112,11 +11878,11 @@
   <p:clrMapOvr>
     <a:masterClrMapping/>
   </p:clrMapOvr>
-  <mc:AlternateContent xmlns:mc="http://schemas.openxmlformats.org/markup-compatibility/2006">
-    <mc:Choice xmlns:p14="http://schemas.microsoft.com/office/powerpoint/2010/main" Requires="p14">
+  <mc:AlternateContent xmlns:mc="http://schemas.openxmlformats.org/markup-compatibility/2006" xmlns:p14="http://schemas.microsoft.com/office/powerpoint/2010/main">
+    <mc:Choice Requires="p14">
       <p:transition spd="slow" p14:dur="2000" advTm="21728"/>
     </mc:Choice>
-    <mc:Fallback>
+    <mc:Fallback xmlns="">
       <p:transition spd="slow" advTm="21728"/>
     </mc:Fallback>
   </mc:AlternateContent>
